--- a/PHY2026/Experiment_4/Final_Report/Exp_4.1.pptx
+++ b/PHY2026/Experiment_4/Final_Report/Exp_4.1.pptx
@@ -243,7 +243,7 @@
           <a:p>
             <a:fld id="{E5246459-C4AA-4050-837C-05555D235892}" type="datetimeFigureOut">
               <a:rPr lang="en-GB" smtClean="0"/>
-              <a:t>16/02/2019</a:t>
+              <a:t>23/02/2019</a:t>
             </a:fld>
             <a:endParaRPr lang="en-GB"/>
           </a:p>
@@ -413,7 +413,7 @@
           <a:p>
             <a:fld id="{E5246459-C4AA-4050-837C-05555D235892}" type="datetimeFigureOut">
               <a:rPr lang="en-GB" smtClean="0"/>
-              <a:t>16/02/2019</a:t>
+              <a:t>23/02/2019</a:t>
             </a:fld>
             <a:endParaRPr lang="en-GB"/>
           </a:p>
@@ -593,7 +593,7 @@
           <a:p>
             <a:fld id="{E5246459-C4AA-4050-837C-05555D235892}" type="datetimeFigureOut">
               <a:rPr lang="en-GB" smtClean="0"/>
-              <a:t>16/02/2019</a:t>
+              <a:t>23/02/2019</a:t>
             </a:fld>
             <a:endParaRPr lang="en-GB"/>
           </a:p>
@@ -763,7 +763,7 @@
           <a:p>
             <a:fld id="{E5246459-C4AA-4050-837C-05555D235892}" type="datetimeFigureOut">
               <a:rPr lang="en-GB" smtClean="0"/>
-              <a:t>16/02/2019</a:t>
+              <a:t>23/02/2019</a:t>
             </a:fld>
             <a:endParaRPr lang="en-GB"/>
           </a:p>
@@ -1009,7 +1009,7 @@
           <a:p>
             <a:fld id="{E5246459-C4AA-4050-837C-05555D235892}" type="datetimeFigureOut">
               <a:rPr lang="en-GB" smtClean="0"/>
-              <a:t>16/02/2019</a:t>
+              <a:t>23/02/2019</a:t>
             </a:fld>
             <a:endParaRPr lang="en-GB"/>
           </a:p>
@@ -1241,7 +1241,7 @@
           <a:p>
             <a:fld id="{E5246459-C4AA-4050-837C-05555D235892}" type="datetimeFigureOut">
               <a:rPr lang="en-GB" smtClean="0"/>
-              <a:t>16/02/2019</a:t>
+              <a:t>23/02/2019</a:t>
             </a:fld>
             <a:endParaRPr lang="en-GB"/>
           </a:p>
@@ -1608,7 +1608,7 @@
           <a:p>
             <a:fld id="{E5246459-C4AA-4050-837C-05555D235892}" type="datetimeFigureOut">
               <a:rPr lang="en-GB" smtClean="0"/>
-              <a:t>16/02/2019</a:t>
+              <a:t>23/02/2019</a:t>
             </a:fld>
             <a:endParaRPr lang="en-GB"/>
           </a:p>
@@ -1726,7 +1726,7 @@
           <a:p>
             <a:fld id="{E5246459-C4AA-4050-837C-05555D235892}" type="datetimeFigureOut">
               <a:rPr lang="en-GB" smtClean="0"/>
-              <a:t>16/02/2019</a:t>
+              <a:t>23/02/2019</a:t>
             </a:fld>
             <a:endParaRPr lang="en-GB"/>
           </a:p>
@@ -1821,7 +1821,7 @@
           <a:p>
             <a:fld id="{E5246459-C4AA-4050-837C-05555D235892}" type="datetimeFigureOut">
               <a:rPr lang="en-GB" smtClean="0"/>
-              <a:t>16/02/2019</a:t>
+              <a:t>23/02/2019</a:t>
             </a:fld>
             <a:endParaRPr lang="en-GB"/>
           </a:p>
@@ -2098,7 +2098,7 @@
           <a:p>
             <a:fld id="{E5246459-C4AA-4050-837C-05555D235892}" type="datetimeFigureOut">
               <a:rPr lang="en-GB" smtClean="0"/>
-              <a:t>16/02/2019</a:t>
+              <a:t>23/02/2019</a:t>
             </a:fld>
             <a:endParaRPr lang="en-GB"/>
           </a:p>
@@ -2351,7 +2351,7 @@
           <a:p>
             <a:fld id="{E5246459-C4AA-4050-837C-05555D235892}" type="datetimeFigureOut">
               <a:rPr lang="en-GB" smtClean="0"/>
-              <a:t>16/02/2019</a:t>
+              <a:t>23/02/2019</a:t>
             </a:fld>
             <a:endParaRPr lang="en-GB"/>
           </a:p>
@@ -2564,7 +2564,7 @@
           <a:p>
             <a:fld id="{E5246459-C4AA-4050-837C-05555D235892}" type="datetimeFigureOut">
               <a:rPr lang="en-GB" smtClean="0"/>
-              <a:t>16/02/2019</a:t>
+              <a:t>23/02/2019</a:t>
             </a:fld>
             <a:endParaRPr lang="en-GB"/>
           </a:p>
@@ -2991,7 +2991,7 @@
         </p:blipFill>
         <p:spPr>
           <a:xfrm>
-            <a:off x="8274705" y="2557375"/>
+            <a:off x="8052283" y="1791256"/>
             <a:ext cx="3251200" cy="2438400"/>
           </a:xfrm>
           <a:prstGeom prst="rect">
@@ -3021,7 +3021,7 @@
         </p:blipFill>
         <p:spPr>
           <a:xfrm>
-            <a:off x="4762492" y="2557375"/>
+            <a:off x="4540070" y="1791256"/>
             <a:ext cx="3251200" cy="2438400"/>
           </a:xfrm>
           <a:prstGeom prst="rect">
@@ -3051,7 +3051,7 @@
         </p:blipFill>
         <p:spPr>
           <a:xfrm>
-            <a:off x="1207122" y="2543603"/>
+            <a:off x="984700" y="1777484"/>
             <a:ext cx="3251200" cy="2438400"/>
           </a:xfrm>
           <a:prstGeom prst="rect">
@@ -3067,7 +3067,7 @@
         </p:nvSpPr>
         <p:spPr>
           <a:xfrm>
-            <a:off x="1719241" y="4944156"/>
+            <a:off x="1496819" y="4178037"/>
             <a:ext cx="2226962" cy="369332"/>
           </a:xfrm>
           <a:prstGeom prst="rect">
@@ -3104,7 +3104,7 @@
         </p:nvCxnSpPr>
         <p:spPr>
           <a:xfrm flipH="1">
-            <a:off x="2832723" y="2010032"/>
+            <a:off x="2610301" y="1243913"/>
             <a:ext cx="2886690" cy="778558"/>
           </a:xfrm>
           <a:prstGeom prst="straightConnector1">
@@ -3140,7 +3140,7 @@
         </p:nvSpPr>
         <p:spPr>
           <a:xfrm>
-            <a:off x="5236183" y="4995775"/>
+            <a:off x="5013761" y="4229656"/>
             <a:ext cx="2226962" cy="369332"/>
           </a:xfrm>
           <a:prstGeom prst="rect">
@@ -3177,7 +3177,7 @@
         </p:nvSpPr>
         <p:spPr>
           <a:xfrm>
-            <a:off x="8879016" y="4995775"/>
+            <a:off x="8656594" y="4229656"/>
             <a:ext cx="2226962" cy="369332"/>
           </a:xfrm>
           <a:prstGeom prst="rect">
@@ -3214,7 +3214,7 @@
         </p:nvSpPr>
         <p:spPr>
           <a:xfrm>
-            <a:off x="5012265" y="1718145"/>
+            <a:off x="4789843" y="952026"/>
             <a:ext cx="2226962" cy="369332"/>
           </a:xfrm>
           <a:prstGeom prst="rect">
@@ -3251,7 +3251,7 @@
         </p:nvSpPr>
         <p:spPr>
           <a:xfrm>
-            <a:off x="5287319" y="5600910"/>
+            <a:off x="5064897" y="4834791"/>
             <a:ext cx="2226962" cy="369332"/>
           </a:xfrm>
           <a:prstGeom prst="rect">
@@ -3288,7 +3288,7 @@
         </p:nvCxnSpPr>
         <p:spPr>
           <a:xfrm flipH="1" flipV="1">
-            <a:off x="6234043" y="3093390"/>
+            <a:off x="6011621" y="2327271"/>
             <a:ext cx="69429" cy="2555872"/>
           </a:xfrm>
           <a:prstGeom prst="straightConnector1">
@@ -3324,7 +3324,7 @@
         </p:nvCxnSpPr>
         <p:spPr>
           <a:xfrm>
-            <a:off x="6234043" y="2087477"/>
+            <a:off x="6011621" y="1321358"/>
             <a:ext cx="303672" cy="896471"/>
           </a:xfrm>
           <a:prstGeom prst="straightConnector1">
@@ -3360,7 +3360,7 @@
         </p:nvCxnSpPr>
         <p:spPr>
           <a:xfrm flipV="1">
-            <a:off x="6790490" y="2900474"/>
+            <a:off x="6568068" y="2134355"/>
             <a:ext cx="3160818" cy="2824825"/>
           </a:xfrm>
           <a:prstGeom prst="straightConnector1">
@@ -3396,7 +3396,7 @@
         </p:nvCxnSpPr>
         <p:spPr>
           <a:xfrm flipH="1" flipV="1">
-            <a:off x="3527914" y="2983948"/>
+            <a:off x="3305492" y="2217829"/>
             <a:ext cx="2430580" cy="2801628"/>
           </a:xfrm>
           <a:prstGeom prst="straightConnector1">
@@ -3432,7 +3432,7 @@
         </p:nvCxnSpPr>
         <p:spPr>
           <a:xfrm>
-            <a:off x="6537715" y="1951075"/>
+            <a:off x="6315293" y="1184956"/>
             <a:ext cx="2881054" cy="949399"/>
           </a:xfrm>
           <a:prstGeom prst="straightConnector1">
@@ -3460,6 +3460,117 @@
           </a:fontRef>
         </p:style>
       </p:cxnSp>
+      <p:sp>
+        <p:nvSpPr>
+          <p:cNvPr id="16" name="TextBox 15"/>
+          <p:cNvSpPr txBox="1"/>
+          <p:nvPr/>
+        </p:nvSpPr>
+        <p:spPr>
+          <a:xfrm>
+            <a:off x="5719469" y="5379649"/>
+            <a:ext cx="815546" cy="369332"/>
+          </a:xfrm>
+          <a:prstGeom prst="rect">
+            <a:avLst/>
+          </a:prstGeom>
+          <a:noFill/>
+        </p:spPr>
+        <p:txBody>
+          <a:bodyPr wrap="square" rtlCol="0">
+            <a:spAutoFit/>
+          </a:bodyPr>
+          <a:lstStyle/>
+          <a:p>
+            <a:pPr algn="ctr"/>
+            <a:r>
+              <a:rPr lang="en-GB" dirty="0" smtClean="0">
+                <a:latin typeface="Times New Roman" panose="02020603050405020304" pitchFamily="18" charset="0"/>
+                <a:cs typeface="Times New Roman" panose="02020603050405020304" pitchFamily="18" charset="0"/>
+              </a:rPr>
+              <a:t>20 Hz</a:t>
+            </a:r>
+            <a:endParaRPr lang="en-GB" dirty="0">
+              <a:latin typeface="Times New Roman" panose="02020603050405020304" pitchFamily="18" charset="0"/>
+              <a:cs typeface="Times New Roman" panose="02020603050405020304" pitchFamily="18" charset="0"/>
+            </a:endParaRPr>
+          </a:p>
+        </p:txBody>
+      </p:sp>
+      <p:sp>
+        <p:nvSpPr>
+          <p:cNvPr id="17" name="TextBox 16"/>
+          <p:cNvSpPr txBox="1"/>
+          <p:nvPr/>
+        </p:nvSpPr>
+        <p:spPr>
+          <a:xfrm>
+            <a:off x="9362302" y="5379649"/>
+            <a:ext cx="815546" cy="369332"/>
+          </a:xfrm>
+          <a:prstGeom prst="rect">
+            <a:avLst/>
+          </a:prstGeom>
+          <a:noFill/>
+        </p:spPr>
+        <p:txBody>
+          <a:bodyPr wrap="square" rtlCol="0">
+            <a:spAutoFit/>
+          </a:bodyPr>
+          <a:lstStyle/>
+          <a:p>
+            <a:pPr algn="ctr"/>
+            <a:r>
+              <a:rPr lang="en-GB" dirty="0" smtClean="0">
+                <a:latin typeface="Times New Roman" panose="02020603050405020304" pitchFamily="18" charset="0"/>
+                <a:cs typeface="Times New Roman" panose="02020603050405020304" pitchFamily="18" charset="0"/>
+              </a:rPr>
+              <a:t>20 Hz</a:t>
+            </a:r>
+            <a:endParaRPr lang="en-GB" dirty="0">
+              <a:latin typeface="Times New Roman" panose="02020603050405020304" pitchFamily="18" charset="0"/>
+              <a:cs typeface="Times New Roman" panose="02020603050405020304" pitchFamily="18" charset="0"/>
+            </a:endParaRPr>
+          </a:p>
+        </p:txBody>
+      </p:sp>
+      <p:sp>
+        <p:nvSpPr>
+          <p:cNvPr id="18" name="TextBox 17"/>
+          <p:cNvSpPr txBox="1"/>
+          <p:nvPr/>
+        </p:nvSpPr>
+        <p:spPr>
+          <a:xfrm>
+            <a:off x="2202527" y="5379649"/>
+            <a:ext cx="815546" cy="369332"/>
+          </a:xfrm>
+          <a:prstGeom prst="rect">
+            <a:avLst/>
+          </a:prstGeom>
+          <a:noFill/>
+        </p:spPr>
+        <p:txBody>
+          <a:bodyPr wrap="square" rtlCol="0">
+            <a:spAutoFit/>
+          </a:bodyPr>
+          <a:lstStyle/>
+          <a:p>
+            <a:pPr algn="ctr"/>
+            <a:r>
+              <a:rPr lang="en-GB" dirty="0" smtClean="0">
+                <a:latin typeface="Times New Roman" panose="02020603050405020304" pitchFamily="18" charset="0"/>
+                <a:cs typeface="Times New Roman" panose="02020603050405020304" pitchFamily="18" charset="0"/>
+              </a:rPr>
+              <a:t>20 Hz</a:t>
+            </a:r>
+            <a:endParaRPr lang="en-GB" dirty="0">
+              <a:latin typeface="Times New Roman" panose="02020603050405020304" pitchFamily="18" charset="0"/>
+              <a:cs typeface="Times New Roman" panose="02020603050405020304" pitchFamily="18" charset="0"/>
+            </a:endParaRPr>
+          </a:p>
+        </p:txBody>
+      </p:sp>
     </p:spTree>
     <p:extLst>
       <p:ext uri="{BB962C8B-B14F-4D97-AF65-F5344CB8AC3E}">
